--- a/slides/chapter2_activities_fragments_intents.pptx
+++ b/slides/chapter2_activities_fragments_intents.pptx
@@ -23951,15 +23951,7 @@
           <a:p>
             <a:r>
               <a:rPr lang="en-US" dirty="0" smtClean="0"/>
-              <a:t>Let’s create </a:t>
-            </a:r>
-            <a:r>
-              <a:rPr lang="en-US" dirty="0" smtClean="0"/>
-              <a:t>a new application and add the following intent filter to </a:t>
-            </a:r>
-            <a:r>
-              <a:rPr lang="en-US" dirty="0" smtClean="0"/>
-              <a:t>the </a:t>
+              <a:t>Let’s create a new application and add the following intent filter to the </a:t>
             </a:r>
             <a:r>
               <a:rPr lang="en-US" dirty="0" err="1" smtClean="0"/>
@@ -26246,11 +26238,7 @@
             </a:r>
             <a:r>
               <a:rPr lang="en-US" dirty="0" smtClean="0"/>
-              <a:t> </a:t>
-            </a:r>
-            <a:r>
-              <a:rPr lang="en-US" dirty="0" smtClean="0"/>
-              <a:t>GUI</a:t>
+              <a:t> GUI</a:t>
             </a:r>
           </a:p>
         </p:txBody>
@@ -31300,15 +31288,7 @@
           <a:p>
             <a:r>
               <a:rPr lang="en-US" dirty="0" smtClean="0"/>
-              <a:t>Quickest solution is to </a:t>
-            </a:r>
-            <a:r>
-              <a:rPr lang="en-US" dirty="0" smtClean="0"/>
-              <a:t>open the notepad application and </a:t>
-            </a:r>
-            <a:r>
-              <a:rPr lang="en-US" dirty="0" smtClean="0"/>
-              <a:t>enter a </a:t>
+              <a:t>Quickest solution is to open the notepad application and enter a </a:t>
             </a:r>
             <a:r>
               <a:rPr lang="en-US" dirty="0" err="1" smtClean="0"/>
@@ -32502,34 +32482,32 @@
           <a:p>
             <a:r>
               <a:rPr lang="en-US" dirty="0"/>
-              <a:t>Add a Plain Text element to the </a:t>
-            </a:r>
-            <a:r>
-              <a:rPr lang="en-US" dirty="0" err="1"/>
-              <a:t>MainActivity</a:t>
-            </a:r>
+              <a:t>Add a Plain Text element to </a:t>
+            </a:r>
+            <a:r>
+              <a:rPr lang="en-US" dirty="0" smtClean="0"/>
+              <a:t>an Activity UI</a:t>
+            </a:r>
+            <a:endParaRPr lang="en-US" dirty="0"/>
+          </a:p>
+          <a:p>
             <a:r>
               <a:rPr lang="en-US" dirty="0"/>
-              <a:t> UI</a:t>
-            </a:r>
-          </a:p>
-          <a:p>
+              <a:t>Add a Button element to </a:t>
+            </a:r>
             <a:r>
               <a:rPr lang="en-US" dirty="0"/>
-              <a:t>Add a Button element to the </a:t>
-            </a:r>
-            <a:r>
-              <a:rPr lang="en-US" dirty="0" err="1"/>
-              <a:t>MainActivity</a:t>
+              <a:t>an </a:t>
+            </a:r>
+            <a:r>
+              <a:rPr lang="en-US" dirty="0" smtClean="0"/>
+              <a:t>Activity </a:t>
             </a:r>
             <a:r>
               <a:rPr lang="en-US" dirty="0"/>
-              <a:t> </a:t>
-            </a:r>
-            <a:r>
-              <a:rPr lang="en-US" dirty="0" smtClean="0"/>
               <a:t>UI</a:t>
             </a:r>
+            <a:endParaRPr lang="en-US" dirty="0" smtClean="0"/>
           </a:p>
           <a:p>
             <a:r>
